--- a/Road-Safety-App-B.Safe.pptx
+++ b/Road-Safety-App-B.Safe.pptx
@@ -11,8 +11,7 @@
     <p:sldId id="259" r:id="rId5"/>
     <p:sldId id="260" r:id="rId6"/>
     <p:sldId id="261" r:id="rId7"/>
-    <p:sldId id="262" r:id="rId8"/>
-    <p:sldId id="263" r:id="rId9"/>
+    <p:sldId id="263" r:id="rId8"/>
   </p:sldIdLst>
   <p:sldSz cx="12192000" cy="6858000"/>
   <p:notesSz cx="6858000" cy="9144000"/>
@@ -111,6 +110,11 @@
       </a:defRPr>
     </a:lvl9pPr>
   </p:defaultTextStyle>
+  <p:extLst>
+    <p:ext uri="{EFAFB233-063F-42B5-8137-9DF3F51BA10A}">
+      <p15:sldGuideLst xmlns:p15="http://schemas.microsoft.com/office/powerpoint/2012/main"/>
+    </p:ext>
+  </p:extLst>
 </p:presentation>
 </file>
 
@@ -2746,7 +2750,7 @@
           <a:p>
             <a:fld id="{418717BB-93D6-467F-BF68-BD2CFDD97E1F}" type="datetimeFigureOut">
               <a:rPr lang="en-IN" smtClean="0"/>
-              <a:t>21-03-2023</a:t>
+              <a:t>23-04-2023</a:t>
             </a:fld>
             <a:endParaRPr lang="en-IN"/>
           </a:p>
@@ -2946,7 +2950,7 @@
           <a:p>
             <a:fld id="{418717BB-93D6-467F-BF68-BD2CFDD97E1F}" type="datetimeFigureOut">
               <a:rPr lang="en-IN" smtClean="0"/>
-              <a:t>21-03-2023</a:t>
+              <a:t>23-04-2023</a:t>
             </a:fld>
             <a:endParaRPr lang="en-IN"/>
           </a:p>
@@ -3156,7 +3160,7 @@
           <a:p>
             <a:fld id="{418717BB-93D6-467F-BF68-BD2CFDD97E1F}" type="datetimeFigureOut">
               <a:rPr lang="en-IN" smtClean="0"/>
-              <a:t>21-03-2023</a:t>
+              <a:t>23-04-2023</a:t>
             </a:fld>
             <a:endParaRPr lang="en-IN"/>
           </a:p>
@@ -3356,7 +3360,7 @@
           <a:p>
             <a:fld id="{418717BB-93D6-467F-BF68-BD2CFDD97E1F}" type="datetimeFigureOut">
               <a:rPr lang="en-IN" smtClean="0"/>
-              <a:t>21-03-2023</a:t>
+              <a:t>23-04-2023</a:t>
             </a:fld>
             <a:endParaRPr lang="en-IN"/>
           </a:p>
@@ -3632,7 +3636,7 @@
           <a:p>
             <a:fld id="{418717BB-93D6-467F-BF68-BD2CFDD97E1F}" type="datetimeFigureOut">
               <a:rPr lang="en-IN" smtClean="0"/>
-              <a:t>21-03-2023</a:t>
+              <a:t>23-04-2023</a:t>
             </a:fld>
             <a:endParaRPr lang="en-IN"/>
           </a:p>
@@ -3900,7 +3904,7 @@
           <a:p>
             <a:fld id="{418717BB-93D6-467F-BF68-BD2CFDD97E1F}" type="datetimeFigureOut">
               <a:rPr lang="en-IN" smtClean="0"/>
-              <a:t>21-03-2023</a:t>
+              <a:t>23-04-2023</a:t>
             </a:fld>
             <a:endParaRPr lang="en-IN"/>
           </a:p>
@@ -4315,7 +4319,7 @@
           <a:p>
             <a:fld id="{418717BB-93D6-467F-BF68-BD2CFDD97E1F}" type="datetimeFigureOut">
               <a:rPr lang="en-IN" smtClean="0"/>
-              <a:t>21-03-2023</a:t>
+              <a:t>23-04-2023</a:t>
             </a:fld>
             <a:endParaRPr lang="en-IN"/>
           </a:p>
@@ -4457,7 +4461,7 @@
           <a:p>
             <a:fld id="{418717BB-93D6-467F-BF68-BD2CFDD97E1F}" type="datetimeFigureOut">
               <a:rPr lang="en-IN" smtClean="0"/>
-              <a:t>21-03-2023</a:t>
+              <a:t>23-04-2023</a:t>
             </a:fld>
             <a:endParaRPr lang="en-IN"/>
           </a:p>
@@ -4570,7 +4574,7 @@
           <a:p>
             <a:fld id="{418717BB-93D6-467F-BF68-BD2CFDD97E1F}" type="datetimeFigureOut">
               <a:rPr lang="en-IN" smtClean="0"/>
-              <a:t>21-03-2023</a:t>
+              <a:t>23-04-2023</a:t>
             </a:fld>
             <a:endParaRPr lang="en-IN"/>
           </a:p>
@@ -4883,7 +4887,7 @@
           <a:p>
             <a:fld id="{418717BB-93D6-467F-BF68-BD2CFDD97E1F}" type="datetimeFigureOut">
               <a:rPr lang="en-IN" smtClean="0"/>
-              <a:t>21-03-2023</a:t>
+              <a:t>23-04-2023</a:t>
             </a:fld>
             <a:endParaRPr lang="en-IN"/>
           </a:p>
@@ -5172,7 +5176,7 @@
           <a:p>
             <a:fld id="{418717BB-93D6-467F-BF68-BD2CFDD97E1F}" type="datetimeFigureOut">
               <a:rPr lang="en-IN" smtClean="0"/>
-              <a:t>21-03-2023</a:t>
+              <a:t>23-04-2023</a:t>
             </a:fld>
             <a:endParaRPr lang="en-IN"/>
           </a:p>
@@ -5415,7 +5419,7 @@
           <a:p>
             <a:fld id="{418717BB-93D6-467F-BF68-BD2CFDD97E1F}" type="datetimeFigureOut">
               <a:rPr lang="en-IN" smtClean="0"/>
-              <a:t>21-03-2023</a:t>
+              <a:t>23-04-2023</a:t>
             </a:fld>
             <a:endParaRPr lang="en-IN"/>
           </a:p>
@@ -8811,737 +8815,6 @@
       </p:grpSpPr>
       <p:sp useBgFill="1">
         <p:nvSpPr>
-          <p:cNvPr id="23" name="Rectangle 7">
-            <a:extLst>
-              <a:ext uri="{FF2B5EF4-FFF2-40B4-BE49-F238E27FC236}">
-                <a16:creationId xmlns:a16="http://schemas.microsoft.com/office/drawing/2014/main" id="{577D6B2E-37A3-429E-A37C-F30ED6487282}"/>
-              </a:ext>
-              <a:ext uri="{C183D7F6-B498-43B3-948B-1728B52AA6E4}">
-                <adec:decorative xmlns:adec="http://schemas.microsoft.com/office/drawing/2017/decorative" val="1"/>
-              </a:ext>
-            </a:extLst>
-          </p:cNvPr>
-          <p:cNvSpPr>
-            <a:spLocks noGrp="1" noRot="1" noChangeAspect="1" noMove="1" noResize="1" noEditPoints="1" noAdjustHandles="1" noChangeArrowheads="1" noChangeShapeType="1" noTextEdit="1"/>
-          </p:cNvSpPr>
-          <p:nvPr>
-            <p:extLst>
-              <p:ext uri="{386F3935-93C4-4BCD-93E2-E3B085C9AB24}">
-                <p16:designElem xmlns:p16="http://schemas.microsoft.com/office/powerpoint/2015/main" val="1"/>
-              </p:ext>
-            </p:extLst>
-          </p:nvPr>
-        </p:nvSpPr>
-        <p:spPr>
-          <a:xfrm>
-            <a:off x="0" y="0"/>
-            <a:ext cx="12192000" cy="6858000"/>
-          </a:xfrm>
-          <a:prstGeom prst="rect">
-            <a:avLst/>
-          </a:prstGeom>
-          <a:ln w="12700" cap="flat" cmpd="sng" algn="ctr">
-            <a:noFill/>
-            <a:prstDash val="solid"/>
-            <a:miter lim="800000"/>
-          </a:ln>
-          <a:effectLst/>
-          <a:extLst>
-            <a:ext uri="{91240B29-F687-4F45-9708-019B960494DF}">
-              <a14:hiddenLine xmlns:a14="http://schemas.microsoft.com/office/drawing/2010/main" w="12700" cap="flat" cmpd="sng" algn="ctr">
-                <a:solidFill>
-                  <a:schemeClr val="accent1">
-                    <a:shade val="50000"/>
-                  </a:schemeClr>
-                </a:solidFill>
-                <a:prstDash val="solid"/>
-                <a:miter lim="800000"/>
-              </a14:hiddenLine>
-            </a:ext>
-          </a:extLst>
-        </p:spPr>
-        <p:style>
-          <a:lnRef idx="2">
-            <a:schemeClr val="accent1">
-              <a:shade val="50000"/>
-            </a:schemeClr>
-          </a:lnRef>
-          <a:fillRef idx="1">
-            <a:schemeClr val="accent1"/>
-          </a:fillRef>
-          <a:effectRef idx="0">
-            <a:schemeClr val="accent1"/>
-          </a:effectRef>
-          <a:fontRef idx="minor">
-            <a:schemeClr val="lt1"/>
-          </a:fontRef>
-        </p:style>
-        <p:txBody>
-          <a:bodyPr rtlCol="0" anchor="ctr"/>
-          <a:lstStyle/>
-          <a:p>
-            <a:pPr algn="ctr"/>
-            <a:endParaRPr lang="en-US"/>
-          </a:p>
-        </p:txBody>
-      </p:sp>
-      <p:sp>
-        <p:nvSpPr>
-          <p:cNvPr id="24" name="Rectangle 9">
-            <a:extLst>
-              <a:ext uri="{FF2B5EF4-FFF2-40B4-BE49-F238E27FC236}">
-                <a16:creationId xmlns:a16="http://schemas.microsoft.com/office/drawing/2014/main" id="{5CEAD642-85CF-4750-8432-7C80C901F001}"/>
-              </a:ext>
-              <a:ext uri="{C183D7F6-B498-43B3-948B-1728B52AA6E4}">
-                <adec:decorative xmlns:adec="http://schemas.microsoft.com/office/drawing/2017/decorative" val="1"/>
-              </a:ext>
-            </a:extLst>
-          </p:cNvPr>
-          <p:cNvSpPr>
-            <a:spLocks noGrp="1" noRot="1" noChangeAspect="1" noMove="1" noResize="1" noEditPoints="1" noAdjustHandles="1" noChangeArrowheads="1" noChangeShapeType="1" noTextEdit="1"/>
-          </p:cNvSpPr>
-          <p:nvPr>
-            <p:extLst>
-              <p:ext uri="{386F3935-93C4-4BCD-93E2-E3B085C9AB24}">
-                <p16:designElem xmlns:p16="http://schemas.microsoft.com/office/powerpoint/2015/main" val="1"/>
-              </p:ext>
-            </p:extLst>
-          </p:nvPr>
-        </p:nvSpPr>
-        <p:spPr>
-          <a:xfrm rot="10800000">
-            <a:off x="-11723" y="-1"/>
-            <a:ext cx="12225953" cy="6868071"/>
-          </a:xfrm>
-          <a:prstGeom prst="rect">
-            <a:avLst/>
-          </a:prstGeom>
-          <a:gradFill>
-            <a:gsLst>
-              <a:gs pos="0">
-                <a:srgbClr val="000000"/>
-              </a:gs>
-              <a:gs pos="100000">
-                <a:schemeClr val="accent1">
-                  <a:lumMod val="75000"/>
-                </a:schemeClr>
-              </a:gs>
-            </a:gsLst>
-            <a:lin ang="4200000" scaled="0"/>
-          </a:gradFill>
-          <a:ln>
-            <a:noFill/>
-          </a:ln>
-        </p:spPr>
-        <p:style>
-          <a:lnRef idx="2">
-            <a:schemeClr val="accent1">
-              <a:shade val="50000"/>
-            </a:schemeClr>
-          </a:lnRef>
-          <a:fillRef idx="1">
-            <a:schemeClr val="accent1"/>
-          </a:fillRef>
-          <a:effectRef idx="0">
-            <a:schemeClr val="accent1"/>
-          </a:effectRef>
-          <a:fontRef idx="minor">
-            <a:schemeClr val="lt1"/>
-          </a:fontRef>
-        </p:style>
-        <p:txBody>
-          <a:bodyPr rtlCol="0" anchor="ctr"/>
-          <a:lstStyle/>
-          <a:p>
-            <a:pPr algn="ctr"/>
-            <a:endParaRPr lang="en-US"/>
-          </a:p>
-        </p:txBody>
-      </p:sp>
-      <p:sp>
-        <p:nvSpPr>
-          <p:cNvPr id="25" name="Rectangle 11">
-            <a:extLst>
-              <a:ext uri="{FF2B5EF4-FFF2-40B4-BE49-F238E27FC236}">
-                <a16:creationId xmlns:a16="http://schemas.microsoft.com/office/drawing/2014/main" id="{FA33EEAE-15D5-4119-8C1E-89D943F911EF}"/>
-              </a:ext>
-              <a:ext uri="{C183D7F6-B498-43B3-948B-1728B52AA6E4}">
-                <adec:decorative xmlns:adec="http://schemas.microsoft.com/office/drawing/2017/decorative" val="1"/>
-              </a:ext>
-            </a:extLst>
-          </p:cNvPr>
-          <p:cNvSpPr>
-            <a:spLocks noGrp="1" noRot="1" noChangeAspect="1" noMove="1" noResize="1" noEditPoints="1" noAdjustHandles="1" noChangeArrowheads="1" noChangeShapeType="1" noTextEdit="1"/>
-          </p:cNvSpPr>
-          <p:nvPr>
-            <p:extLst>
-              <p:ext uri="{386F3935-93C4-4BCD-93E2-E3B085C9AB24}">
-                <p16:designElem xmlns:p16="http://schemas.microsoft.com/office/powerpoint/2015/main" val="1"/>
-              </p:ext>
-            </p:extLst>
-          </p:nvPr>
-        </p:nvSpPr>
-        <p:spPr>
-          <a:xfrm rot="10800000" flipH="1">
-            <a:off x="441959" y="-3"/>
-            <a:ext cx="11772269" cy="6868074"/>
-          </a:xfrm>
-          <a:prstGeom prst="rect">
-            <a:avLst/>
-          </a:prstGeom>
-          <a:gradFill>
-            <a:gsLst>
-              <a:gs pos="21000">
-                <a:schemeClr val="accent1">
-                  <a:lumMod val="50000"/>
-                  <a:alpha val="83000"/>
-                </a:schemeClr>
-              </a:gs>
-              <a:gs pos="100000">
-                <a:schemeClr val="accent1">
-                  <a:alpha val="0"/>
-                </a:schemeClr>
-              </a:gs>
-            </a:gsLst>
-            <a:lin ang="8400000" scaled="0"/>
-          </a:gradFill>
-          <a:ln>
-            <a:noFill/>
-          </a:ln>
-        </p:spPr>
-        <p:style>
-          <a:lnRef idx="2">
-            <a:schemeClr val="accent1">
-              <a:shade val="50000"/>
-            </a:schemeClr>
-          </a:lnRef>
-          <a:fillRef idx="1">
-            <a:schemeClr val="accent1"/>
-          </a:fillRef>
-          <a:effectRef idx="0">
-            <a:schemeClr val="accent1"/>
-          </a:effectRef>
-          <a:fontRef idx="minor">
-            <a:schemeClr val="lt1"/>
-          </a:fontRef>
-        </p:style>
-        <p:txBody>
-          <a:bodyPr rtlCol="0" anchor="ctr"/>
-          <a:lstStyle/>
-          <a:p>
-            <a:pPr algn="ctr"/>
-            <a:endParaRPr lang="en-US"/>
-          </a:p>
-        </p:txBody>
-      </p:sp>
-      <p:sp>
-        <p:nvSpPr>
-          <p:cNvPr id="26" name="Rectangle 13">
-            <a:extLst>
-              <a:ext uri="{FF2B5EF4-FFF2-40B4-BE49-F238E27FC236}">
-                <a16:creationId xmlns:a16="http://schemas.microsoft.com/office/drawing/2014/main" id="{730D8B3B-9B80-4025-B934-26DC7D7CD231}"/>
-              </a:ext>
-              <a:ext uri="{C183D7F6-B498-43B3-948B-1728B52AA6E4}">
-                <adec:decorative xmlns:adec="http://schemas.microsoft.com/office/drawing/2017/decorative" val="1"/>
-              </a:ext>
-            </a:extLst>
-          </p:cNvPr>
-          <p:cNvSpPr>
-            <a:spLocks noGrp="1" noRot="1" noChangeAspect="1" noMove="1" noResize="1" noEditPoints="1" noAdjustHandles="1" noChangeArrowheads="1" noChangeShapeType="1" noTextEdit="1"/>
-          </p:cNvSpPr>
-          <p:nvPr>
-            <p:extLst>
-              <p:ext uri="{386F3935-93C4-4BCD-93E2-E3B085C9AB24}">
-                <p16:designElem xmlns:p16="http://schemas.microsoft.com/office/powerpoint/2015/main" val="1"/>
-              </p:ext>
-            </p:extLst>
-          </p:nvPr>
-        </p:nvSpPr>
-        <p:spPr>
-          <a:xfrm rot="10800000">
-            <a:off x="-15200" y="0"/>
-            <a:ext cx="3623374" cy="6868072"/>
-          </a:xfrm>
-          <a:prstGeom prst="rect">
-            <a:avLst/>
-          </a:prstGeom>
-          <a:gradFill>
-            <a:gsLst>
-              <a:gs pos="0">
-                <a:schemeClr val="accent1">
-                  <a:lumMod val="75000"/>
-                  <a:alpha val="0"/>
-                </a:schemeClr>
-              </a:gs>
-              <a:gs pos="99000">
-                <a:srgbClr val="000000">
-                  <a:alpha val="41000"/>
-                </a:srgbClr>
-              </a:gs>
-            </a:gsLst>
-            <a:lin ang="13200000" scaled="0"/>
-          </a:gradFill>
-          <a:ln>
-            <a:noFill/>
-          </a:ln>
-        </p:spPr>
-        <p:style>
-          <a:lnRef idx="2">
-            <a:schemeClr val="accent1">
-              <a:shade val="50000"/>
-            </a:schemeClr>
-          </a:lnRef>
-          <a:fillRef idx="1">
-            <a:schemeClr val="accent1"/>
-          </a:fillRef>
-          <a:effectRef idx="0">
-            <a:schemeClr val="accent1"/>
-          </a:effectRef>
-          <a:fontRef idx="minor">
-            <a:schemeClr val="lt1"/>
-          </a:fontRef>
-        </p:style>
-        <p:txBody>
-          <a:bodyPr rtlCol="0" anchor="ctr"/>
-          <a:lstStyle/>
-          <a:p>
-            <a:pPr algn="ctr"/>
-            <a:endParaRPr lang="en-US"/>
-          </a:p>
-        </p:txBody>
-      </p:sp>
-      <p:sp>
-        <p:nvSpPr>
-          <p:cNvPr id="27" name="Rectangle 15">
-            <a:extLst>
-              <a:ext uri="{FF2B5EF4-FFF2-40B4-BE49-F238E27FC236}">
-                <a16:creationId xmlns:a16="http://schemas.microsoft.com/office/drawing/2014/main" id="{1064D5D5-227B-4F66-9AEA-46F570E793BD}"/>
-              </a:ext>
-              <a:ext uri="{C183D7F6-B498-43B3-948B-1728B52AA6E4}">
-                <adec:decorative xmlns:adec="http://schemas.microsoft.com/office/drawing/2017/decorative" val="1"/>
-              </a:ext>
-            </a:extLst>
-          </p:cNvPr>
-          <p:cNvSpPr>
-            <a:spLocks noGrp="1" noRot="1" noChangeAspect="1" noMove="1" noResize="1" noEditPoints="1" noAdjustHandles="1" noChangeArrowheads="1" noChangeShapeType="1" noTextEdit="1"/>
-          </p:cNvSpPr>
-          <p:nvPr>
-            <p:extLst>
-              <p:ext uri="{386F3935-93C4-4BCD-93E2-E3B085C9AB24}">
-                <p16:designElem xmlns:p16="http://schemas.microsoft.com/office/powerpoint/2015/main" val="1"/>
-              </p:ext>
-            </p:extLst>
-          </p:nvPr>
-        </p:nvSpPr>
-        <p:spPr>
-          <a:xfrm flipH="1">
-            <a:off x="-15875" y="-3"/>
-            <a:ext cx="12233581" cy="6868076"/>
-          </a:xfrm>
-          <a:prstGeom prst="rect">
-            <a:avLst/>
-          </a:prstGeom>
-          <a:gradFill>
-            <a:gsLst>
-              <a:gs pos="3000">
-                <a:schemeClr val="accent1">
-                  <a:lumMod val="75000"/>
-                  <a:alpha val="0"/>
-                </a:schemeClr>
-              </a:gs>
-              <a:gs pos="100000">
-                <a:srgbClr val="000000">
-                  <a:alpha val="73000"/>
-                </a:srgbClr>
-              </a:gs>
-            </a:gsLst>
-            <a:lin ang="17400000" scaled="0"/>
-          </a:gradFill>
-          <a:ln>
-            <a:noFill/>
-          </a:ln>
-        </p:spPr>
-        <p:style>
-          <a:lnRef idx="2">
-            <a:schemeClr val="accent1">
-              <a:shade val="50000"/>
-            </a:schemeClr>
-          </a:lnRef>
-          <a:fillRef idx="1">
-            <a:schemeClr val="accent1"/>
-          </a:fillRef>
-          <a:effectRef idx="0">
-            <a:schemeClr val="accent1"/>
-          </a:effectRef>
-          <a:fontRef idx="minor">
-            <a:schemeClr val="lt1"/>
-          </a:fontRef>
-        </p:style>
-        <p:txBody>
-          <a:bodyPr rtlCol="0" anchor="ctr"/>
-          <a:lstStyle/>
-          <a:p>
-            <a:pPr algn="ctr"/>
-            <a:endParaRPr lang="en-US"/>
-          </a:p>
-        </p:txBody>
-      </p:sp>
-      <p:sp>
-        <p:nvSpPr>
-          <p:cNvPr id="28" name="Rectangle 17">
-            <a:extLst>
-              <a:ext uri="{FF2B5EF4-FFF2-40B4-BE49-F238E27FC236}">
-                <a16:creationId xmlns:a16="http://schemas.microsoft.com/office/drawing/2014/main" id="{646B67A4-D328-4747-A82B-65E84FA46368}"/>
-              </a:ext>
-              <a:ext uri="{C183D7F6-B498-43B3-948B-1728B52AA6E4}">
-                <adec:decorative xmlns:adec="http://schemas.microsoft.com/office/drawing/2017/decorative" val="1"/>
-              </a:ext>
-            </a:extLst>
-          </p:cNvPr>
-          <p:cNvSpPr>
-            <a:spLocks noGrp="1" noRot="1" noChangeAspect="1" noMove="1" noResize="1" noEditPoints="1" noAdjustHandles="1" noChangeArrowheads="1" noChangeShapeType="1" noTextEdit="1"/>
-          </p:cNvSpPr>
-          <p:nvPr>
-            <p:extLst>
-              <p:ext uri="{386F3935-93C4-4BCD-93E2-E3B085C9AB24}">
-                <p16:designElem xmlns:p16="http://schemas.microsoft.com/office/powerpoint/2015/main" val="1"/>
-              </p:ext>
-            </p:extLst>
-          </p:nvPr>
-        </p:nvSpPr>
-        <p:spPr>
-          <a:xfrm rot="5400000" flipH="1">
-            <a:off x="4484334" y="-861824"/>
-            <a:ext cx="6861931" cy="8597859"/>
-          </a:xfrm>
-          <a:prstGeom prst="rect">
-            <a:avLst/>
-          </a:prstGeom>
-          <a:gradFill>
-            <a:gsLst>
-              <a:gs pos="3000">
-                <a:schemeClr val="accent1">
-                  <a:lumMod val="75000"/>
-                  <a:alpha val="0"/>
-                </a:schemeClr>
-              </a:gs>
-              <a:gs pos="100000">
-                <a:srgbClr val="000000">
-                  <a:alpha val="27000"/>
-                </a:srgbClr>
-              </a:gs>
-            </a:gsLst>
-            <a:lin ang="13800000" scaled="0"/>
-          </a:gradFill>
-          <a:ln>
-            <a:noFill/>
-          </a:ln>
-        </p:spPr>
-        <p:style>
-          <a:lnRef idx="2">
-            <a:schemeClr val="accent1">
-              <a:shade val="50000"/>
-            </a:schemeClr>
-          </a:lnRef>
-          <a:fillRef idx="1">
-            <a:schemeClr val="accent1"/>
-          </a:fillRef>
-          <a:effectRef idx="0">
-            <a:schemeClr val="accent1"/>
-          </a:effectRef>
-          <a:fontRef idx="minor">
-            <a:schemeClr val="lt1"/>
-          </a:fontRef>
-        </p:style>
-        <p:txBody>
-          <a:bodyPr rtlCol="0" anchor="ctr"/>
-          <a:lstStyle/>
-          <a:p>
-            <a:pPr algn="ctr"/>
-            <a:endParaRPr lang="en-US"/>
-          </a:p>
-        </p:txBody>
-      </p:sp>
-      <p:sp>
-        <p:nvSpPr>
-          <p:cNvPr id="29" name="Oval 19">
-            <a:extLst>
-              <a:ext uri="{FF2B5EF4-FFF2-40B4-BE49-F238E27FC236}">
-                <a16:creationId xmlns:a16="http://schemas.microsoft.com/office/drawing/2014/main" id="{B5A1B09C-1565-46F8-B70F-621C5EB48A09}"/>
-              </a:ext>
-              <a:ext uri="{C183D7F6-B498-43B3-948B-1728B52AA6E4}">
-                <adec:decorative xmlns:adec="http://schemas.microsoft.com/office/drawing/2017/decorative" val="1"/>
-              </a:ext>
-            </a:extLst>
-          </p:cNvPr>
-          <p:cNvSpPr>
-            <a:spLocks noGrp="1" noRot="1" noChangeAspect="1" noMove="1" noResize="1" noEditPoints="1" noAdjustHandles="1" noChangeArrowheads="1" noChangeShapeType="1" noTextEdit="1"/>
-          </p:cNvSpPr>
-          <p:nvPr>
-            <p:extLst>
-              <p:ext uri="{386F3935-93C4-4BCD-93E2-E3B085C9AB24}">
-                <p16:designElem xmlns:p16="http://schemas.microsoft.com/office/powerpoint/2015/main" val="1"/>
-              </p:ext>
-            </p:extLst>
-          </p:nvPr>
-        </p:nvSpPr>
-        <p:spPr>
-          <a:xfrm rot="5993193">
-            <a:off x="1186972" y="1089049"/>
-            <a:ext cx="4967533" cy="4988390"/>
-          </a:xfrm>
-          <a:prstGeom prst="ellipse">
-            <a:avLst/>
-          </a:prstGeom>
-          <a:gradFill>
-            <a:gsLst>
-              <a:gs pos="0">
-                <a:schemeClr val="accent1">
-                  <a:alpha val="26000"/>
-                </a:schemeClr>
-              </a:gs>
-              <a:gs pos="85000">
-                <a:schemeClr val="accent1">
-                  <a:lumMod val="60000"/>
-                  <a:lumOff val="40000"/>
-                  <a:alpha val="0"/>
-                </a:schemeClr>
-              </a:gs>
-            </a:gsLst>
-            <a:lin ang="14400000" scaled="0"/>
-          </a:gradFill>
-          <a:ln>
-            <a:noFill/>
-          </a:ln>
-        </p:spPr>
-        <p:style>
-          <a:lnRef idx="2">
-            <a:schemeClr val="accent1">
-              <a:shade val="50000"/>
-            </a:schemeClr>
-          </a:lnRef>
-          <a:fillRef idx="1">
-            <a:schemeClr val="accent1"/>
-          </a:fillRef>
-          <a:effectRef idx="0">
-            <a:schemeClr val="accent1"/>
-          </a:effectRef>
-          <a:fontRef idx="minor">
-            <a:schemeClr val="lt1"/>
-          </a:fontRef>
-        </p:style>
-        <p:txBody>
-          <a:bodyPr rtlCol="0" anchor="ctr"/>
-          <a:lstStyle/>
-          <a:p>
-            <a:pPr algn="ctr"/>
-            <a:endParaRPr lang="en-US" dirty="0"/>
-          </a:p>
-        </p:txBody>
-      </p:sp>
-      <p:sp>
-        <p:nvSpPr>
-          <p:cNvPr id="2" name="Title 1">
-            <a:extLst>
-              <a:ext uri="{FF2B5EF4-FFF2-40B4-BE49-F238E27FC236}">
-                <a16:creationId xmlns:a16="http://schemas.microsoft.com/office/drawing/2014/main" id="{AE418270-B119-8BE2-451E-A45F943069B9}"/>
-              </a:ext>
-            </a:extLst>
-          </p:cNvPr>
-          <p:cNvSpPr>
-            <a:spLocks noGrp="1"/>
-          </p:cNvSpPr>
-          <p:nvPr>
-            <p:ph type="title"/>
-          </p:nvPr>
-        </p:nvSpPr>
-        <p:spPr>
-          <a:xfrm>
-            <a:off x="4162567" y="818984"/>
-            <a:ext cx="6714699" cy="3178689"/>
-          </a:xfrm>
-        </p:spPr>
-        <p:txBody>
-          <a:bodyPr vert="horz" lIns="91440" tIns="45720" rIns="91440" bIns="45720" rtlCol="0" anchor="b">
-            <a:normAutofit/>
-          </a:bodyPr>
-          <a:lstStyle/>
-          <a:p>
-            <a:r>
-              <a:rPr lang="en-US" sz="4800" kern="1200">
-                <a:solidFill>
-                  <a:srgbClr val="FFFFFF"/>
-                </a:solidFill>
-                <a:latin typeface="+mj-lt"/>
-                <a:ea typeface="+mj-ea"/>
-                <a:cs typeface="+mj-cs"/>
-              </a:rPr>
-              <a:t>Links to the Project App “B.Safe”</a:t>
-            </a:r>
-          </a:p>
-        </p:txBody>
-      </p:sp>
-      <p:sp>
-        <p:nvSpPr>
-          <p:cNvPr id="22" name="Rectangle 21">
-            <a:extLst>
-              <a:ext uri="{FF2B5EF4-FFF2-40B4-BE49-F238E27FC236}">
-                <a16:creationId xmlns:a16="http://schemas.microsoft.com/office/drawing/2014/main" id="{8C516CC8-80AC-446C-A56E-9F54B7210402}"/>
-              </a:ext>
-              <a:ext uri="{C183D7F6-B498-43B3-948B-1728B52AA6E4}">
-                <adec:decorative xmlns:adec="http://schemas.microsoft.com/office/drawing/2017/decorative" val="1"/>
-              </a:ext>
-            </a:extLst>
-          </p:cNvPr>
-          <p:cNvSpPr>
-            <a:spLocks noGrp="1" noRot="1" noChangeAspect="1" noMove="1" noResize="1" noEditPoints="1" noAdjustHandles="1" noChangeArrowheads="1" noChangeShapeType="1" noTextEdit="1"/>
-          </p:cNvSpPr>
-          <p:nvPr>
-            <p:extLst>
-              <p:ext uri="{386F3935-93C4-4BCD-93E2-E3B085C9AB24}">
-                <p16:designElem xmlns:p16="http://schemas.microsoft.com/office/powerpoint/2015/main" val="1"/>
-              </p:ext>
-            </p:extLst>
-          </p:nvPr>
-        </p:nvSpPr>
-        <p:spPr>
-          <a:xfrm flipH="1">
-            <a:off x="-3" y="4490110"/>
-            <a:ext cx="12217710" cy="2377962"/>
-          </a:xfrm>
-          <a:prstGeom prst="rect">
-            <a:avLst/>
-          </a:prstGeom>
-          <a:gradFill>
-            <a:gsLst>
-              <a:gs pos="0">
-                <a:schemeClr val="accent1">
-                  <a:lumMod val="75000"/>
-                  <a:alpha val="50000"/>
-                </a:schemeClr>
-              </a:gs>
-              <a:gs pos="99000">
-                <a:srgbClr val="000000">
-                  <a:alpha val="34000"/>
-                </a:srgbClr>
-              </a:gs>
-            </a:gsLst>
-            <a:lin ang="13200000" scaled="0"/>
-          </a:gradFill>
-          <a:ln>
-            <a:noFill/>
-          </a:ln>
-        </p:spPr>
-        <p:style>
-          <a:lnRef idx="2">
-            <a:schemeClr val="accent1">
-              <a:shade val="50000"/>
-            </a:schemeClr>
-          </a:lnRef>
-          <a:fillRef idx="1">
-            <a:schemeClr val="accent1"/>
-          </a:fillRef>
-          <a:effectRef idx="0">
-            <a:schemeClr val="accent1"/>
-          </a:effectRef>
-          <a:fontRef idx="minor">
-            <a:schemeClr val="lt1"/>
-          </a:fontRef>
-        </p:style>
-        <p:txBody>
-          <a:bodyPr rtlCol="0" anchor="ctr"/>
-          <a:lstStyle/>
-          <a:p>
-            <a:pPr algn="ctr"/>
-            <a:endParaRPr lang="en-US"/>
-          </a:p>
-        </p:txBody>
-      </p:sp>
-      <p:sp>
-        <p:nvSpPr>
-          <p:cNvPr id="3" name="Content Placeholder 2">
-            <a:extLst>
-              <a:ext uri="{FF2B5EF4-FFF2-40B4-BE49-F238E27FC236}">
-                <a16:creationId xmlns:a16="http://schemas.microsoft.com/office/drawing/2014/main" id="{A1712C1E-5826-4840-A554-1428918E79EF}"/>
-              </a:ext>
-            </a:extLst>
-          </p:cNvPr>
-          <p:cNvSpPr>
-            <a:spLocks noGrp="1"/>
-          </p:cNvSpPr>
-          <p:nvPr>
-            <p:ph idx="1"/>
-          </p:nvPr>
-        </p:nvSpPr>
-        <p:spPr>
-          <a:xfrm>
-            <a:off x="4285397" y="4960961"/>
-            <a:ext cx="7055893" cy="1078054"/>
-          </a:xfrm>
-        </p:spPr>
-        <p:txBody>
-          <a:bodyPr vert="horz" lIns="91440" tIns="45720" rIns="91440" bIns="45720" rtlCol="0">
-            <a:normAutofit/>
-          </a:bodyPr>
-          <a:lstStyle/>
-          <a:p>
-            <a:pPr marL="0" indent="0">
-              <a:buNone/>
-            </a:pPr>
-            <a:r>
-              <a:rPr lang="en-US" sz="2400" kern="1200">
-                <a:solidFill>
-                  <a:srgbClr val="FFFFFF"/>
-                </a:solidFill>
-                <a:latin typeface="+mn-lt"/>
-                <a:ea typeface="+mn-ea"/>
-                <a:cs typeface="+mn-cs"/>
-              </a:rPr>
-              <a:t>https://github.com/raidin2k3/Road-Safety-App-B.Safe-</a:t>
-            </a:r>
-          </a:p>
-        </p:txBody>
-      </p:sp>
-    </p:spTree>
-    <p:extLst>
-      <p:ext uri="{BB962C8B-B14F-4D97-AF65-F5344CB8AC3E}">
-        <p14:creationId xmlns:p14="http://schemas.microsoft.com/office/powerpoint/2010/main" val="2996704893"/>
-      </p:ext>
-    </p:extLst>
-  </p:cSld>
-  <p:clrMapOvr>
-    <a:masterClrMapping/>
-  </p:clrMapOvr>
-</p:sld>
-</file>
-
-<file path=ppt/slides/slide8.xml><?xml version="1.0" encoding="utf-8"?>
-<p:sld xmlns:a="http://schemas.openxmlformats.org/drawingml/2006/main" xmlns:r="http://schemas.openxmlformats.org/officeDocument/2006/relationships" xmlns:p="http://schemas.openxmlformats.org/presentationml/2006/main">
-  <p:cSld>
-    <p:bg>
-      <p:bgPr>
-        <a:solidFill>
-          <a:schemeClr val="bg1"/>
-        </a:solidFill>
-        <a:effectLst/>
-      </p:bgPr>
-    </p:bg>
-    <p:spTree>
-      <p:nvGrpSpPr>
-        <p:cNvPr id="1" name=""/>
-        <p:cNvGrpSpPr/>
-        <p:nvPr/>
-      </p:nvGrpSpPr>
-      <p:grpSpPr>
-        <a:xfrm>
-          <a:off x="0" y="0"/>
-          <a:ext cx="0" cy="0"/>
-          <a:chOff x="0" y="0"/>
-          <a:chExt cx="0" cy="0"/>
-        </a:xfrm>
-      </p:grpSpPr>
-      <p:sp useBgFill="1">
-        <p:nvSpPr>
           <p:cNvPr id="7" name="Rectangle 6">
             <a:extLst>
               <a:ext uri="{FF2B5EF4-FFF2-40B4-BE49-F238E27FC236}">
